--- a/Eager/paper/fop/EAGER.pptx
+++ b/Eager/paper/fop/EAGER.pptx
@@ -4382,13 +4382,25 @@
         <p:spPr/>
         <p:txBody>
           <a:bodyPr>
-            <a:normAutofit fontScale="92500" lnSpcReduction="10000"/>
+            <a:normAutofit/>
           </a:bodyPr>
           <a:lstStyle/>
           <a:p>
             <a:r>
               <a:rPr lang="en-US" dirty="0" smtClean="0"/>
-              <a:t>API and dependency metadata is validated for well-</a:t>
+              <a:t>EAGER validates API </a:t>
+            </a:r>
+            <a:r>
+              <a:rPr lang="en-US" dirty="0" smtClean="0"/>
+              <a:t>and dependency </a:t>
+            </a:r>
+            <a:r>
+              <a:rPr lang="en-US" dirty="0" smtClean="0"/>
+              <a:t>metadata for </a:t>
+            </a:r>
+            <a:r>
+              <a:rPr lang="en-US" dirty="0" smtClean="0"/>
+              <a:t>well-</a:t>
             </a:r>
             <a:r>
               <a:rPr lang="en-US" dirty="0" err="1" smtClean="0"/>
@@ -4416,13 +4428,30 @@
           <a:p>
             <a:r>
               <a:rPr lang="en-US" dirty="0" smtClean="0"/>
-              <a:t>When updating an API, old and new API specifications are syntactically compared for backward compatibility.</a:t>
-            </a:r>
-          </a:p>
-          <a:p>
+              <a:t>API specificatio</a:t>
+            </a:r>
             <a:r>
               <a:rPr lang="en-US" dirty="0" smtClean="0"/>
-              <a:t>If validated successfully, EAGER records the latest API specification and updates the global dependency graph.</a:t>
+              <a:t>n comparison for retaining backward compatibility.</a:t>
+            </a:r>
+            <a:endParaRPr lang="en-US" dirty="0" smtClean="0"/>
+          </a:p>
+          <a:p>
+            <a:r>
+              <a:rPr lang="en-US" dirty="0" smtClean="0"/>
+              <a:t>Recording API specifications </a:t>
+            </a:r>
+            <a:r>
+              <a:rPr lang="en-US" dirty="0" smtClean="0"/>
+              <a:t>and </a:t>
+            </a:r>
+            <a:r>
+              <a:rPr lang="en-US" dirty="0" smtClean="0"/>
+              <a:t>updating </a:t>
+            </a:r>
+            <a:r>
+              <a:rPr lang="en-US" dirty="0" smtClean="0"/>
+              <a:t>the global dependency graph.</a:t>
             </a:r>
             <a:endParaRPr lang="en-US" dirty="0"/>
           </a:p>
@@ -4461,6 +4490,13 @@
   <p:clrMapOvr>
     <a:masterClrMapping/>
   </p:clrMapOvr>
+  <p:timing>
+    <p:tnLst>
+      <p:par>
+        <p:cTn xmlns:p14="http://schemas.microsoft.com/office/powerpoint/2010/main" id="1" dur="indefinite" restart="never" nodeType="tmRoot"/>
+      </p:par>
+    </p:tnLst>
+  </p:timing>
 </p:sld>
 </file>
 
@@ -5413,24 +5449,14 @@
           <a:p>
             <a:r>
               <a:rPr lang="en-US" dirty="0" smtClean="0"/>
-              <a:t>Currently only supports </a:t>
-            </a:r>
+              <a:t>Currently only supports Java (JAXRS)</a:t>
+            </a:r>
+          </a:p>
+          <a:p>
             <a:r>
               <a:rPr lang="en-US" dirty="0" smtClean="0"/>
-              <a:t>Java (JAXRS)</a:t>
-            </a:r>
-            <a:endParaRPr lang="en-US" dirty="0" smtClean="0"/>
-          </a:p>
-          <a:p>
-            <a:r>
-              <a:rPr lang="en-US" dirty="0" smtClean="0"/>
-              <a:t>Apache Maven archetype for setting up a web API project with the required </a:t>
-            </a:r>
-            <a:r>
-              <a:rPr lang="en-US" dirty="0" smtClean="0"/>
-              <a:t>libraries</a:t>
-            </a:r>
-            <a:endParaRPr lang="en-US" dirty="0" smtClean="0"/>
+              <a:t>Apache Maven archetype for setting up a web API project with the required libraries</a:t>
+            </a:r>
           </a:p>
           <a:p>
             <a:r>
@@ -5722,21 +5748,13 @@
             </a:r>
             <a:r>
               <a:rPr lang="en-US" dirty="0" smtClean="0"/>
-              <a:t> (without EAGER): 20-30 </a:t>
-            </a:r>
+              <a:t> (without EAGER): 20-30 seconds</a:t>
+            </a:r>
+          </a:p>
+          <a:p>
             <a:r>
               <a:rPr lang="en-US" dirty="0" smtClean="0"/>
-              <a:t>seconds</a:t>
-            </a:r>
-          </a:p>
-          <a:p>
-            <a:r>
-              <a:rPr lang="en-US" dirty="0" smtClean="0"/>
-              <a:t>We </a:t>
-            </a:r>
-            <a:r>
-              <a:rPr lang="en-US" dirty="0" smtClean="0"/>
-              <a:t>measure the deployment overhead caused by EAGER</a:t>
+              <a:t>We measure the deployment overhead caused by EAGER</a:t>
             </a:r>
           </a:p>
           <a:p>
